--- a/lessons/lesson-10/10-decision-trees-and-random-forests.pptx
+++ b/lessons/lesson-10/10-decision-trees-and-random-forests.pptx
@@ -49470,14 +49470,29 @@
               <a:buNone/>
             </a:pPr>
             <a:r>
-              <a:rPr lang="en-US" sz="3200" b="1">
+              <a:rPr lang="en-US" sz="3200" b="1" dirty="0">
                 <a:latin typeface="Arial" charset="0"/>
                 <a:ea typeface="Arial" charset="0"/>
                 <a:cs typeface="Arial" charset="0"/>
                 <a:sym typeface="Oswald"/>
               </a:rPr>
-              <a:t>BEFORE NEXT CLASS</a:t>
-            </a:r>
+              <a:t>BEFORE </a:t>
+            </a:r>
+            <a:r>
+              <a:rPr lang="en-US" sz="3200" b="1" dirty="0" smtClean="0">
+                <a:latin typeface="Arial" charset="0"/>
+                <a:ea typeface="Arial" charset="0"/>
+                <a:cs typeface="Arial" charset="0"/>
+                <a:sym typeface="Oswald"/>
+              </a:rPr>
+              <a:t>NEXT THURSDAY</a:t>
+            </a:r>
+            <a:endParaRPr lang="en-US" sz="3200" b="1" dirty="0">
+              <a:latin typeface="Arial" charset="0"/>
+              <a:ea typeface="Arial" charset="0"/>
+              <a:cs typeface="Arial" charset="0"/>
+              <a:sym typeface="Oswald"/>
+            </a:endParaRPr>
           </a:p>
         </p:txBody>
       </p:sp>
@@ -49521,14 +49536,20 @@
               <a:buNone/>
             </a:pPr>
             <a:r>
-              <a:rPr lang="en-US" sz="5400" b="1" dirty="0">
+              <a:rPr lang="en-US" sz="5400" b="1" dirty="0" smtClean="0">
                 <a:latin typeface="Arial" charset="0"/>
                 <a:ea typeface="Arial" charset="0"/>
                 <a:cs typeface="Arial" charset="0"/>
                 <a:sym typeface="Oswald"/>
               </a:rPr>
-              <a:t>DUE DATE</a:t>
-            </a:r>
+              <a:t>BUILD A CRAPPY MODEL FOR YOUR PROJECT</a:t>
+            </a:r>
+            <a:endParaRPr lang="en-US" sz="5400" b="1" dirty="0">
+              <a:latin typeface="Arial" charset="0"/>
+              <a:ea typeface="Arial" charset="0"/>
+              <a:cs typeface="Arial" charset="0"/>
+              <a:sym typeface="Oswald"/>
+            </a:endParaRPr>
           </a:p>
         </p:txBody>
       </p:sp>
@@ -49544,7 +49565,7 @@
         </p:nvSpPr>
         <p:spPr>
           <a:xfrm>
-            <a:off x="632056" y="2413000"/>
+            <a:off x="635000" y="3022600"/>
             <a:ext cx="11734800" cy="3809999"/>
           </a:xfrm>
           <a:prstGeom prst="rect">
@@ -49584,22 +49605,39 @@
               <a:buChar char="‣"/>
             </a:pPr>
             <a:r>
-              <a:rPr lang="en-US" sz="2800" dirty="0">
+              <a:rPr lang="en-US" sz="2800" dirty="0" smtClean="0">
                 <a:latin typeface="Arial" charset="0"/>
                 <a:ea typeface="Arial" charset="0"/>
                 <a:cs typeface="Arial" charset="0"/>
                 <a:sym typeface="Georgia"/>
               </a:rPr>
-              <a:t>Project: Final Project, Deliverable 2</a:t>
-            </a:r>
-          </a:p>
-          <a:p>
-            <a:pPr marR="0" lvl="0" algn="l" rtl="0">
-              <a:spcBef>
-                <a:spcPts val="1000"/>
-              </a:spcBef>
-              <a:buNone/>
-            </a:pPr>
+              <a:t>For your Final Project</a:t>
+            </a:r>
+          </a:p>
+          <a:p>
+            <a:pPr marL="863600" lvl="1" indent="-256540">
+              <a:buSzPct val="100000"/>
+              <a:buFont typeface="Georgia"/>
+              <a:buChar char="‣"/>
+            </a:pPr>
+            <a:r>
+              <a:rPr lang="en-US" dirty="0" smtClean="0">
+                <a:latin typeface="Arial" charset="0"/>
+                <a:ea typeface="Arial" charset="0"/>
+                <a:cs typeface="Arial" charset="0"/>
+                <a:sym typeface="Georgia"/>
+              </a:rPr>
+              <a:t>(ok </a:t>
+            </a:r>
+            <a:r>
+              <a:rPr lang="en-US" smtClean="0">
+                <a:latin typeface="Arial" charset="0"/>
+                <a:ea typeface="Arial" charset="0"/>
+                <a:cs typeface="Arial" charset="0"/>
+                <a:sym typeface="Georgia"/>
+              </a:rPr>
+              <a:t>it doesn’t have to be crappy)x</a:t>
+            </a:r>
             <a:endParaRPr dirty="0">
               <a:latin typeface="Arial" charset="0"/>
               <a:ea typeface="Arial" charset="0"/>
